--- a/poster_template.pptx
+++ b/poster_template.pptx
@@ -1981,7 +1981,7 @@
                 <a:spcPct val="100000"/>
               </a:lnSpc>
             </a:pPr>
-            <a:fld id="{C51E88D5-8FBB-4A02-85A7-456B4AC724B5}" type="slidenum">
+            <a:fld id="{F760ADE4-060E-47C0-B3C8-12836B5989AC}" type="slidenum">
               <a:rPr b="0" lang="en-US" sz="5400" spc="-1" strike="noStrike">
                 <a:solidFill>
                   <a:srgbClr val="000000"/>
@@ -2496,7 +2496,7 @@
                 </a:uFill>
                 <a:latin typeface="Candara"/>
               </a:rPr>
-              <a:t>Results</a:t>
+              <a:t>Results/ Conclusion</a:t>
             </a:r>
             <a:endParaRPr b="0" lang="en-US" sz="1800" spc="-1" strike="noStrike">
               <a:solidFill>
